--- a/2024/Lec/Юнит 9 - анализ остатков.pptx
+++ b/2024/Lec/Юнит 9 - анализ остатков.pptx
@@ -5,7 +5,7 @@
     <p:sldMasterId id="2147483648" r:id="rId1"/>
   </p:sldMasterIdLst>
   <p:notesMasterIdLst>
-    <p:notesMasterId r:id="rId23"/>
+    <p:notesMasterId r:id="rId21"/>
   </p:notesMasterIdLst>
   <p:sldIdLst>
     <p:sldId id="366" r:id="rId2"/>
@@ -27,8 +27,6 @@
     <p:sldId id="386" r:id="rId18"/>
     <p:sldId id="384" r:id="rId19"/>
     <p:sldId id="385" r:id="rId20"/>
-    <p:sldId id="388" r:id="rId21"/>
-    <p:sldId id="389" r:id="rId22"/>
   </p:sldIdLst>
   <p:sldSz cx="12192000" cy="6858000"/>
   <p:notesSz cx="6858000" cy="9144000"/>
@@ -217,7 +215,7 @@
           <a:p>
             <a:fld id="{C730246F-5962-E14A-AAF2-985CCFDAC345}" type="datetimeFigureOut">
               <a:rPr lang="ru-RU" smtClean="0"/>
-              <a:t>19.10.2023</a:t>
+              <a:t>21.02.2024</a:t>
             </a:fld>
             <a:endParaRPr lang="ru-RU"/>
           </a:p>
@@ -717,7 +715,7 @@
           <a:p>
             <a:fld id="{44343DC6-30E4-4569-999A-C703F926F2AF}" type="datetimeFigureOut">
               <a:rPr lang="en-US" smtClean="0"/>
-              <a:t>10/19/2023</a:t>
+              <a:t>2/21/2024</a:t>
             </a:fld>
             <a:endParaRPr lang="en-US"/>
           </a:p>
@@ -917,7 +915,7 @@
           <a:p>
             <a:fld id="{44343DC6-30E4-4569-999A-C703F926F2AF}" type="datetimeFigureOut">
               <a:rPr lang="en-US" smtClean="0"/>
-              <a:t>10/19/2023</a:t>
+              <a:t>2/21/2024</a:t>
             </a:fld>
             <a:endParaRPr lang="en-US"/>
           </a:p>
@@ -1127,7 +1125,7 @@
           <a:p>
             <a:fld id="{44343DC6-30E4-4569-999A-C703F926F2AF}" type="datetimeFigureOut">
               <a:rPr lang="en-US" smtClean="0"/>
-              <a:t>10/19/2023</a:t>
+              <a:t>2/21/2024</a:t>
             </a:fld>
             <a:endParaRPr lang="en-US"/>
           </a:p>
@@ -1327,7 +1325,7 @@
           <a:p>
             <a:fld id="{44343DC6-30E4-4569-999A-C703F926F2AF}" type="datetimeFigureOut">
               <a:rPr lang="en-US" smtClean="0"/>
-              <a:t>10/19/2023</a:t>
+              <a:t>2/21/2024</a:t>
             </a:fld>
             <a:endParaRPr lang="en-US"/>
           </a:p>
@@ -1603,7 +1601,7 @@
           <a:p>
             <a:fld id="{44343DC6-30E4-4569-999A-C703F926F2AF}" type="datetimeFigureOut">
               <a:rPr lang="en-US" smtClean="0"/>
-              <a:t>10/19/2023</a:t>
+              <a:t>2/21/2024</a:t>
             </a:fld>
             <a:endParaRPr lang="en-US"/>
           </a:p>
@@ -1871,7 +1869,7 @@
           <a:p>
             <a:fld id="{44343DC6-30E4-4569-999A-C703F926F2AF}" type="datetimeFigureOut">
               <a:rPr lang="en-US" smtClean="0"/>
-              <a:t>10/19/2023</a:t>
+              <a:t>2/21/2024</a:t>
             </a:fld>
             <a:endParaRPr lang="en-US"/>
           </a:p>
@@ -2286,7 +2284,7 @@
           <a:p>
             <a:fld id="{44343DC6-30E4-4569-999A-C703F926F2AF}" type="datetimeFigureOut">
               <a:rPr lang="en-US" smtClean="0"/>
-              <a:t>10/19/2023</a:t>
+              <a:t>2/21/2024</a:t>
             </a:fld>
             <a:endParaRPr lang="en-US"/>
           </a:p>
@@ -2428,7 +2426,7 @@
           <a:p>
             <a:fld id="{44343DC6-30E4-4569-999A-C703F926F2AF}" type="datetimeFigureOut">
               <a:rPr lang="en-US" smtClean="0"/>
-              <a:t>10/19/2023</a:t>
+              <a:t>2/21/2024</a:t>
             </a:fld>
             <a:endParaRPr lang="en-US"/>
           </a:p>
@@ -2541,7 +2539,7 @@
           <a:p>
             <a:fld id="{44343DC6-30E4-4569-999A-C703F926F2AF}" type="datetimeFigureOut">
               <a:rPr lang="en-US" smtClean="0"/>
-              <a:t>10/19/2023</a:t>
+              <a:t>2/21/2024</a:t>
             </a:fld>
             <a:endParaRPr lang="en-US"/>
           </a:p>
@@ -2854,7 +2852,7 @@
           <a:p>
             <a:fld id="{44343DC6-30E4-4569-999A-C703F926F2AF}" type="datetimeFigureOut">
               <a:rPr lang="en-US" smtClean="0"/>
-              <a:t>10/19/2023</a:t>
+              <a:t>2/21/2024</a:t>
             </a:fld>
             <a:endParaRPr lang="en-US"/>
           </a:p>
@@ -3143,7 +3141,7 @@
           <a:p>
             <a:fld id="{44343DC6-30E4-4569-999A-C703F926F2AF}" type="datetimeFigureOut">
               <a:rPr lang="en-US" smtClean="0"/>
-              <a:t>10/19/2023</a:t>
+              <a:t>2/21/2024</a:t>
             </a:fld>
             <a:endParaRPr lang="en-US"/>
           </a:p>
@@ -3386,7 +3384,7 @@
           <a:p>
             <a:fld id="{44343DC6-30E4-4569-999A-C703F926F2AF}" type="datetimeFigureOut">
               <a:rPr lang="en-US" smtClean="0"/>
-              <a:t>10/19/2023</a:t>
+              <a:t>2/21/2024</a:t>
             </a:fld>
             <a:endParaRPr lang="en-US"/>
           </a:p>
@@ -6014,6 +6012,13 @@
   <p:clrMapOvr>
     <a:masterClrMapping/>
   </p:clrMapOvr>
+  <p:timing>
+    <p:tnLst>
+      <p:par>
+        <p:cTn id="1" dur="indefinite" restart="never" nodeType="tmRoot"/>
+      </p:par>
+    </p:tnLst>
+  </p:timing>
 </p:sld>
 </file>
 
@@ -7307,6 +7312,13 @@
   <p:clrMapOvr>
     <a:masterClrMapping/>
   </p:clrMapOvr>
+  <p:timing>
+    <p:tnLst>
+      <p:par>
+        <p:cTn id="1" dur="indefinite" restart="never" nodeType="tmRoot"/>
+      </p:par>
+    </p:tnLst>
+  </p:timing>
 </p:sld>
 </file>
 
@@ -7499,6 +7511,13 @@
   <p:clrMapOvr>
     <a:masterClrMapping/>
   </p:clrMapOvr>
+  <p:timing>
+    <p:tnLst>
+      <p:par>
+        <p:cTn id="1" dur="indefinite" restart="never" nodeType="tmRoot"/>
+      </p:par>
+    </p:tnLst>
+  </p:timing>
 </p:sld>
 </file>
 
@@ -7692,6 +7711,13 @@
   <p:clrMapOvr>
     <a:masterClrMapping/>
   </p:clrMapOvr>
+  <p:timing>
+    <p:tnLst>
+      <p:par>
+        <p:cTn id="1" dur="indefinite" restart="never" nodeType="tmRoot"/>
+      </p:par>
+    </p:tnLst>
+  </p:timing>
 </p:sld>
 </file>
 
@@ -7834,6 +7860,13 @@
   <p:clrMapOvr>
     <a:masterClrMapping/>
   </p:clrMapOvr>
+  <p:timing>
+    <p:tnLst>
+      <p:par>
+        <p:cTn id="1" dur="indefinite" restart="never" nodeType="tmRoot"/>
+      </p:par>
+    </p:tnLst>
+  </p:timing>
 </p:sld>
 </file>
 
@@ -8037,6 +8070,13 @@
   <p:clrMapOvr>
     <a:masterClrMapping/>
   </p:clrMapOvr>
+  <p:timing>
+    <p:tnLst>
+      <p:par>
+        <p:cTn id="1" dur="indefinite" restart="never" nodeType="tmRoot"/>
+      </p:par>
+    </p:tnLst>
+  </p:timing>
 </p:sld>
 </file>
 
@@ -8278,6 +8318,13 @@
   <p:clrMapOvr>
     <a:masterClrMapping/>
   </p:clrMapOvr>
+  <p:timing>
+    <p:tnLst>
+      <p:par>
+        <p:cTn id="1" dur="indefinite" restart="never" nodeType="tmRoot"/>
+      </p:par>
+    </p:tnLst>
+  </p:timing>
 </p:sld>
 </file>
 
@@ -8519,6 +8566,13 @@
   <p:clrMapOvr>
     <a:masterClrMapping/>
   </p:clrMapOvr>
+  <p:timing>
+    <p:tnLst>
+      <p:par>
+        <p:cTn id="1" dur="indefinite" restart="never" nodeType="tmRoot"/>
+      </p:par>
+    </p:tnLst>
+  </p:timing>
 </p:sld>
 </file>
 
@@ -8760,6 +8814,13 @@
   <p:clrMapOvr>
     <a:masterClrMapping/>
   </p:clrMapOvr>
+  <p:timing>
+    <p:tnLst>
+      <p:par>
+        <p:cTn id="1" dur="indefinite" restart="never" nodeType="tmRoot"/>
+      </p:par>
+    </p:tnLst>
+  </p:timing>
 </p:sld>
 </file>
 
@@ -9046,6 +9107,13 @@
   <p:clrMapOvr>
     <a:masterClrMapping/>
   </p:clrMapOvr>
+  <p:timing>
+    <p:tnLst>
+      <p:par>
+        <p:cTn id="1" dur="indefinite" restart="never" nodeType="tmRoot"/>
+      </p:par>
+    </p:tnLst>
+  </p:timing>
 </p:sld>
 </file>
 
@@ -9321,975 +9389,6 @@
     <p:extLst>
       <p:ext uri="{BB962C8B-B14F-4D97-AF65-F5344CB8AC3E}">
         <p14:creationId xmlns:p14="http://schemas.microsoft.com/office/powerpoint/2010/main" val="3531757270"/>
-      </p:ext>
-    </p:extLst>
-  </p:cSld>
-  <p:clrMapOvr>
-    <a:masterClrMapping/>
-  </p:clrMapOvr>
-  <p:timing>
-    <p:tnLst>
-      <p:par>
-        <p:cTn id="1" dur="indefinite" restart="never" nodeType="tmRoot"/>
-      </p:par>
-    </p:tnLst>
-  </p:timing>
-</p:sld>
-</file>
-
-<file path=ppt/slides/slide20.xml><?xml version="1.0" encoding="utf-8"?>
-<p:sld xmlns:a="http://schemas.openxmlformats.org/drawingml/2006/main" xmlns:r="http://schemas.openxmlformats.org/officeDocument/2006/relationships" xmlns:p="http://schemas.openxmlformats.org/presentationml/2006/main">
-  <p:cSld>
-    <p:spTree>
-      <p:nvGrpSpPr>
-        <p:cNvPr id="1" name=""/>
-        <p:cNvGrpSpPr/>
-        <p:nvPr/>
-      </p:nvGrpSpPr>
-      <p:grpSpPr>
-        <a:xfrm>
-          <a:off x="0" y="0"/>
-          <a:ext cx="0" cy="0"/>
-          <a:chOff x="0" y="0"/>
-          <a:chExt cx="0" cy="0"/>
-        </a:xfrm>
-      </p:grpSpPr>
-      <p:sp>
-        <p:nvSpPr>
-          <p:cNvPr id="2" name="Заголовок 1">
-            <a:extLst>
-              <a:ext uri="{FF2B5EF4-FFF2-40B4-BE49-F238E27FC236}">
-                <a16:creationId xmlns:a16="http://schemas.microsoft.com/office/drawing/2014/main" id="{E5E18C16-493F-C0F6-1226-B953C44BB2B9}"/>
-              </a:ext>
-            </a:extLst>
-          </p:cNvPr>
-          <p:cNvSpPr>
-            <a:spLocks noGrp="1"/>
-          </p:cNvSpPr>
-          <p:nvPr>
-            <p:ph type="title"/>
-          </p:nvPr>
-        </p:nvSpPr>
-        <p:spPr>
-          <a:xfrm>
-            <a:off x="425824" y="0"/>
-            <a:ext cx="10515600" cy="1325563"/>
-          </a:xfrm>
-        </p:spPr>
-        <p:txBody>
-          <a:bodyPr>
-            <a:normAutofit/>
-          </a:bodyPr>
-          <a:lstStyle/>
-          <a:p>
-            <a:r>
-              <a:rPr lang="ru-RU" sz="4800" b="1" dirty="0" smtClean="0"/>
-              <a:t>Вопросы Базовые 1й верно</a:t>
-            </a:r>
-            <a:endParaRPr lang="ru-RU" sz="4800" b="1" dirty="0"/>
-          </a:p>
-        </p:txBody>
-      </p:sp>
-      <p:sp>
-        <p:nvSpPr>
-          <p:cNvPr id="3" name="Объект 2">
-            <a:extLst>
-              <a:ext uri="{FF2B5EF4-FFF2-40B4-BE49-F238E27FC236}">
-                <a16:creationId xmlns:a16="http://schemas.microsoft.com/office/drawing/2014/main" id="{BE421393-E6D9-4C04-F323-217F01E33B93}"/>
-              </a:ext>
-            </a:extLst>
-          </p:cNvPr>
-          <p:cNvSpPr>
-            <a:spLocks noGrp="1"/>
-          </p:cNvSpPr>
-          <p:nvPr>
-            <p:ph idx="1"/>
-          </p:nvPr>
-        </p:nvSpPr>
-        <p:spPr>
-          <a:xfrm>
-            <a:off x="506506" y="1129096"/>
-            <a:ext cx="10515600" cy="5135887"/>
-          </a:xfrm>
-        </p:spPr>
-        <p:txBody>
-          <a:bodyPr>
-            <a:normAutofit fontScale="85000" lnSpcReduction="20000"/>
-          </a:bodyPr>
-          <a:lstStyle/>
-          <a:p>
-            <a:r>
-              <a:rPr lang="ru-RU" sz="2300" b="1" dirty="0" smtClean="0">
-                <a:ea typeface="Calibri" panose="020F0502020204030204" pitchFamily="34" charset="0"/>
-                <a:cs typeface="Times New Roman" panose="02020603050405020304" pitchFamily="18" charset="0"/>
-              </a:rPr>
-              <a:t>В идеале, после моделирования ВР остаточная часть</a:t>
-            </a:r>
-            <a:endParaRPr lang="ru-RU" sz="2300" dirty="0" smtClean="0">
-              <a:ea typeface="Calibri" panose="020F0502020204030204" pitchFamily="34" charset="0"/>
-              <a:cs typeface="Times New Roman" panose="02020603050405020304" pitchFamily="18" charset="0"/>
-            </a:endParaRPr>
-          </a:p>
-          <a:p>
-            <a:pPr marL="514350" indent="-514350">
-              <a:buFont typeface="+mj-lt"/>
-              <a:buAutoNum type="arabicPeriod"/>
-            </a:pPr>
-            <a:r>
-              <a:rPr lang="ru-RU" sz="2300" dirty="0" smtClean="0">
-                <a:ea typeface="Calibri" panose="020F0502020204030204" pitchFamily="34" charset="0"/>
-                <a:cs typeface="Times New Roman" panose="02020603050405020304" pitchFamily="18" charset="0"/>
-              </a:rPr>
-              <a:t>Белый гауссов шум. </a:t>
-            </a:r>
-          </a:p>
-          <a:p>
-            <a:pPr marL="514350" indent="-514350">
-              <a:buFont typeface="+mj-lt"/>
-              <a:buAutoNum type="arabicPeriod"/>
-            </a:pPr>
-            <a:r>
-              <a:rPr lang="ru-RU" sz="2300" dirty="0" smtClean="0">
-                <a:ea typeface="Calibri" panose="020F0502020204030204" pitchFamily="34" charset="0"/>
-                <a:cs typeface="Times New Roman" panose="02020603050405020304" pitchFamily="18" charset="0"/>
-              </a:rPr>
-              <a:t>Содержит тренд</a:t>
-            </a:r>
-          </a:p>
-          <a:p>
-            <a:pPr marL="514350" indent="-514350">
-              <a:buFont typeface="+mj-lt"/>
-              <a:buAutoNum type="arabicPeriod"/>
-            </a:pPr>
-            <a:r>
-              <a:rPr lang="ru-RU" sz="2300" dirty="0" smtClean="0">
-                <a:ea typeface="Calibri" panose="020F0502020204030204" pitchFamily="34" charset="0"/>
-                <a:cs typeface="Times New Roman" panose="02020603050405020304" pitchFamily="18" charset="0"/>
-              </a:rPr>
-              <a:t>Включает редкие но регулярные события</a:t>
-            </a:r>
-          </a:p>
-          <a:p>
-            <a:pPr marL="514350" indent="-514350">
-              <a:buFont typeface="+mj-lt"/>
-              <a:buAutoNum type="arabicPeriod"/>
-            </a:pPr>
-            <a:r>
-              <a:rPr lang="ru-RU" sz="2300" dirty="0" smtClean="0">
-                <a:ea typeface="Calibri" panose="020F0502020204030204" pitchFamily="34" charset="0"/>
-                <a:cs typeface="Times New Roman" panose="02020603050405020304" pitchFamily="18" charset="0"/>
-              </a:rPr>
-              <a:t>Включает все редкие события</a:t>
-            </a:r>
-            <a:endParaRPr lang="ru-RU" sz="2300" dirty="0">
-              <a:ea typeface="Calibri" panose="020F0502020204030204" pitchFamily="34" charset="0"/>
-              <a:cs typeface="Times New Roman" panose="02020603050405020304" pitchFamily="18" charset="0"/>
-            </a:endParaRPr>
-          </a:p>
-          <a:p>
-            <a:r>
-              <a:rPr lang="ru-RU" sz="2400" b="1" dirty="0"/>
-              <a:t>График Q-Q или график квантилей </a:t>
-            </a:r>
-            <a:r>
-              <a:rPr lang="ru-RU" sz="2400" b="1" dirty="0" smtClean="0"/>
-              <a:t>- это</a:t>
-            </a:r>
-            <a:endParaRPr lang="ru-RU" sz="2300" b="1" dirty="0" smtClean="0">
-              <a:ea typeface="Calibri" panose="020F0502020204030204" pitchFamily="34" charset="0"/>
-              <a:cs typeface="Times New Roman" panose="02020603050405020304" pitchFamily="18" charset="0"/>
-            </a:endParaRPr>
-          </a:p>
-          <a:p>
-            <a:pPr marL="514350" indent="-514350">
-              <a:buFont typeface="+mj-lt"/>
-              <a:buAutoNum type="arabicPeriod"/>
-            </a:pPr>
-            <a:r>
-              <a:rPr lang="ru-RU" sz="2000" dirty="0" smtClean="0"/>
-              <a:t>метод </a:t>
-            </a:r>
-            <a:r>
-              <a:rPr lang="ru-RU" sz="2000" dirty="0"/>
-              <a:t>графического сравнения двух распределений</a:t>
-            </a:r>
-            <a:r>
-              <a:rPr lang="ru-RU" sz="2000" dirty="0">
-                <a:ea typeface="Calibri" panose="020F0502020204030204" pitchFamily="34" charset="0"/>
-                <a:cs typeface="Times New Roman" panose="02020603050405020304" pitchFamily="18" charset="0"/>
-              </a:rPr>
-              <a:t> </a:t>
-            </a:r>
-            <a:endParaRPr lang="ru-RU" sz="2300" dirty="0" smtClean="0">
-              <a:ea typeface="Calibri" panose="020F0502020204030204" pitchFamily="34" charset="0"/>
-              <a:cs typeface="Times New Roman" panose="02020603050405020304" pitchFamily="18" charset="0"/>
-            </a:endParaRPr>
-          </a:p>
-          <a:p>
-            <a:pPr marL="514350" indent="-514350">
-              <a:buFont typeface="+mj-lt"/>
-              <a:buAutoNum type="arabicPeriod"/>
-            </a:pPr>
-            <a:r>
-              <a:rPr lang="ru-RU" sz="2300" dirty="0" smtClean="0">
-                <a:ea typeface="Calibri" panose="020F0502020204030204" pitchFamily="34" charset="0"/>
-                <a:cs typeface="Times New Roman" panose="02020603050405020304" pitchFamily="18" charset="0"/>
-              </a:rPr>
-              <a:t>Метод типа параметрический тест на нормальное распределение</a:t>
-            </a:r>
-          </a:p>
-          <a:p>
-            <a:pPr marL="514350" indent="-514350">
-              <a:buFont typeface="+mj-lt"/>
-              <a:buAutoNum type="arabicPeriod"/>
-            </a:pPr>
-            <a:r>
-              <a:rPr lang="ru-RU" sz="2300" dirty="0" smtClean="0">
-                <a:ea typeface="Calibri" panose="020F0502020204030204" pitchFamily="34" charset="0"/>
-                <a:cs typeface="Times New Roman" panose="02020603050405020304" pitchFamily="18" charset="0"/>
-              </a:rPr>
-              <a:t>Метод сравнения двух ВР</a:t>
-            </a:r>
-            <a:endParaRPr lang="ru-RU" sz="2300" dirty="0">
-              <a:ea typeface="Calibri" panose="020F0502020204030204" pitchFamily="34" charset="0"/>
-              <a:cs typeface="Times New Roman" panose="02020603050405020304" pitchFamily="18" charset="0"/>
-            </a:endParaRPr>
-          </a:p>
-          <a:p>
-            <a:pPr marL="514350" indent="-514350">
-              <a:buFont typeface="+mj-lt"/>
-              <a:buAutoNum type="arabicPeriod"/>
-            </a:pPr>
-            <a:r>
-              <a:rPr lang="ru-RU" sz="2300" dirty="0" smtClean="0">
-                <a:ea typeface="Calibri" panose="020F0502020204030204" pitchFamily="34" charset="0"/>
-                <a:cs typeface="Times New Roman" panose="02020603050405020304" pitchFamily="18" charset="0"/>
-              </a:rPr>
-              <a:t>Метод оценки сводных статистик ВР</a:t>
-            </a:r>
-            <a:endParaRPr lang="ru-RU" sz="2300" dirty="0">
-              <a:ea typeface="Calibri" panose="020F0502020204030204" pitchFamily="34" charset="0"/>
-              <a:cs typeface="Times New Roman" panose="02020603050405020304" pitchFamily="18" charset="0"/>
-            </a:endParaRPr>
-          </a:p>
-          <a:p>
-            <a:r>
-              <a:rPr lang="ru-RU" sz="2400" b="1" dirty="0"/>
-              <a:t>Непараметрическая проверка статистических </a:t>
-            </a:r>
-            <a:r>
-              <a:rPr lang="ru-RU" sz="2400" b="1" dirty="0" smtClean="0"/>
-              <a:t>гипотез</a:t>
-            </a:r>
-            <a:r>
-              <a:rPr lang="ru-RU" sz="2300" dirty="0" smtClean="0">
-                <a:ea typeface="Calibri" panose="020F0502020204030204" pitchFamily="34" charset="0"/>
-                <a:cs typeface="Times New Roman" panose="02020603050405020304" pitchFamily="18" charset="0"/>
-              </a:rPr>
-              <a:t> </a:t>
-            </a:r>
-            <a:r>
-              <a:rPr lang="ru-RU" sz="2300" dirty="0">
-                <a:ea typeface="Calibri" panose="020F0502020204030204" pitchFamily="34" charset="0"/>
-                <a:cs typeface="Times New Roman" panose="02020603050405020304" pitchFamily="18" charset="0"/>
-              </a:rPr>
-              <a:t>- </a:t>
-            </a:r>
-            <a:r>
-              <a:rPr lang="ru-RU" sz="2300" dirty="0" smtClean="0">
-                <a:ea typeface="Calibri" panose="020F0502020204030204" pitchFamily="34" charset="0"/>
-                <a:cs typeface="Times New Roman" panose="02020603050405020304" pitchFamily="18" charset="0"/>
-              </a:rPr>
-              <a:t>часто </a:t>
-            </a:r>
-            <a:r>
-              <a:rPr lang="ru-RU" sz="2300" dirty="0">
-                <a:ea typeface="Calibri" panose="020F0502020204030204" pitchFamily="34" charset="0"/>
-                <a:cs typeface="Times New Roman" panose="02020603050405020304" pitchFamily="18" charset="0"/>
-              </a:rPr>
-              <a:t>Проверяют ВР </a:t>
-            </a:r>
-            <a:r>
-              <a:rPr lang="ru-RU" sz="2300" dirty="0" smtClean="0">
-                <a:ea typeface="Calibri" panose="020F0502020204030204" pitchFamily="34" charset="0"/>
-                <a:cs typeface="Times New Roman" panose="02020603050405020304" pitchFamily="18" charset="0"/>
-              </a:rPr>
-              <a:t> на</a:t>
-            </a:r>
-            <a:endParaRPr lang="ru-RU" sz="2300" dirty="0">
-              <a:ea typeface="Calibri" panose="020F0502020204030204" pitchFamily="34" charset="0"/>
-              <a:cs typeface="Times New Roman" panose="02020603050405020304" pitchFamily="18" charset="0"/>
-            </a:endParaRPr>
-          </a:p>
-          <a:p>
-            <a:pPr marL="514350" indent="-514350">
-              <a:buFont typeface="+mj-lt"/>
-              <a:buAutoNum type="arabicPeriod"/>
-            </a:pPr>
-            <a:r>
-              <a:rPr lang="ru-RU" sz="2300" dirty="0" smtClean="0">
-                <a:ea typeface="Calibri" panose="020F0502020204030204" pitchFamily="34" charset="0"/>
-                <a:cs typeface="Times New Roman" panose="02020603050405020304" pitchFamily="18" charset="0"/>
-              </a:rPr>
-              <a:t>соответствие белому гауссовом шуму </a:t>
-            </a:r>
-          </a:p>
-          <a:p>
-            <a:pPr marL="514350" indent="-514350">
-              <a:buFont typeface="+mj-lt"/>
-              <a:buAutoNum type="arabicPeriod"/>
-            </a:pPr>
-            <a:r>
-              <a:rPr lang="ru-RU" sz="2300" dirty="0" smtClean="0">
-                <a:ea typeface="Calibri" panose="020F0502020204030204" pitchFamily="34" charset="0"/>
-                <a:cs typeface="Times New Roman" panose="02020603050405020304" pitchFamily="18" charset="0"/>
-              </a:rPr>
-              <a:t>соответствие распределению при условии его известных параметров</a:t>
-            </a:r>
-            <a:endParaRPr lang="ru-RU" sz="2300" dirty="0">
-              <a:ea typeface="Calibri" panose="020F0502020204030204" pitchFamily="34" charset="0"/>
-              <a:cs typeface="Times New Roman" panose="02020603050405020304" pitchFamily="18" charset="0"/>
-            </a:endParaRPr>
-          </a:p>
-          <a:p>
-            <a:pPr marL="514350" indent="-514350">
-              <a:buFont typeface="+mj-lt"/>
-              <a:buAutoNum type="arabicPeriod"/>
-            </a:pPr>
-            <a:r>
-              <a:rPr lang="ru-RU" sz="2300" dirty="0" smtClean="0">
-                <a:ea typeface="Calibri" panose="020F0502020204030204" pitchFamily="34" charset="0"/>
-                <a:cs typeface="Times New Roman" panose="02020603050405020304" pitchFamily="18" charset="0"/>
-              </a:rPr>
-              <a:t>отсутствие шума</a:t>
-            </a:r>
-          </a:p>
-          <a:p>
-            <a:pPr marL="514350" indent="-514350">
-              <a:buFont typeface="+mj-lt"/>
-              <a:buAutoNum type="arabicPeriod"/>
-            </a:pPr>
-            <a:r>
-              <a:rPr lang="ru-RU" sz="2300" dirty="0" smtClean="0">
-                <a:ea typeface="Calibri" panose="020F0502020204030204" pitchFamily="34" charset="0"/>
-                <a:cs typeface="Times New Roman" panose="02020603050405020304" pitchFamily="18" charset="0"/>
-              </a:rPr>
-              <a:t>Наличие тренда</a:t>
-            </a:r>
-          </a:p>
-          <a:p>
-            <a:pPr marL="514350" indent="-514350">
-              <a:buFont typeface="+mj-lt"/>
-              <a:buAutoNum type="arabicPeriod"/>
-            </a:pPr>
-            <a:endParaRPr lang="ru-RU" dirty="0">
-              <a:ea typeface="Calibri" panose="020F0502020204030204" pitchFamily="34" charset="0"/>
-              <a:cs typeface="Times New Roman" panose="02020603050405020304" pitchFamily="18" charset="0"/>
-            </a:endParaRPr>
-          </a:p>
-          <a:p>
-            <a:pPr marL="514350" indent="-514350">
-              <a:buFont typeface="+mj-lt"/>
-              <a:buAutoNum type="arabicPeriod"/>
-            </a:pPr>
-            <a:endParaRPr lang="ru-RU" dirty="0">
-              <a:ea typeface="Calibri" panose="020F0502020204030204" pitchFamily="34" charset="0"/>
-              <a:cs typeface="Times New Roman" panose="02020603050405020304" pitchFamily="18" charset="0"/>
-            </a:endParaRPr>
-          </a:p>
-          <a:p>
-            <a:endParaRPr lang="ru-RU" dirty="0"/>
-          </a:p>
-        </p:txBody>
-      </p:sp>
-    </p:spTree>
-    <p:extLst>
-      <p:ext uri="{BB962C8B-B14F-4D97-AF65-F5344CB8AC3E}">
-        <p14:creationId xmlns:p14="http://schemas.microsoft.com/office/powerpoint/2010/main" val="2439194558"/>
-      </p:ext>
-    </p:extLst>
-  </p:cSld>
-  <p:clrMapOvr>
-    <a:masterClrMapping/>
-  </p:clrMapOvr>
-  <p:timing>
-    <p:tnLst>
-      <p:par>
-        <p:cTn id="1" dur="indefinite" restart="never" nodeType="tmRoot"/>
-      </p:par>
-    </p:tnLst>
-  </p:timing>
-</p:sld>
-</file>
-
-<file path=ppt/slides/slide21.xml><?xml version="1.0" encoding="utf-8"?>
-<p:sld xmlns:a="http://schemas.openxmlformats.org/drawingml/2006/main" xmlns:r="http://schemas.openxmlformats.org/officeDocument/2006/relationships" xmlns:p="http://schemas.openxmlformats.org/presentationml/2006/main">
-  <p:cSld>
-    <p:spTree>
-      <p:nvGrpSpPr>
-        <p:cNvPr id="1" name=""/>
-        <p:cNvGrpSpPr/>
-        <p:nvPr/>
-      </p:nvGrpSpPr>
-      <p:grpSpPr>
-        <a:xfrm>
-          <a:off x="0" y="0"/>
-          <a:ext cx="0" cy="0"/>
-          <a:chOff x="0" y="0"/>
-          <a:chExt cx="0" cy="0"/>
-        </a:xfrm>
-      </p:grpSpPr>
-      <p:sp>
-        <p:nvSpPr>
-          <p:cNvPr id="2" name="Заголовок 1">
-            <a:extLst>
-              <a:ext uri="{FF2B5EF4-FFF2-40B4-BE49-F238E27FC236}">
-                <a16:creationId xmlns:a16="http://schemas.microsoft.com/office/drawing/2014/main" id="{E5E18C16-493F-C0F6-1226-B953C44BB2B9}"/>
-              </a:ext>
-            </a:extLst>
-          </p:cNvPr>
-          <p:cNvSpPr>
-            <a:spLocks noGrp="1"/>
-          </p:cNvSpPr>
-          <p:nvPr>
-            <p:ph type="title"/>
-          </p:nvPr>
-        </p:nvSpPr>
-        <p:spPr>
-          <a:xfrm>
-            <a:off x="398929" y="0"/>
-            <a:ext cx="10515600" cy="1325563"/>
-          </a:xfrm>
-        </p:spPr>
-        <p:txBody>
-          <a:bodyPr>
-            <a:normAutofit/>
-          </a:bodyPr>
-          <a:lstStyle/>
-          <a:p>
-            <a:r>
-              <a:rPr lang="ru-RU" sz="4800" b="1" dirty="0" smtClean="0"/>
-              <a:t>Вопросы Продвинутые </a:t>
-            </a:r>
-            <a:r>
-              <a:rPr lang="en-US" sz="4800" b="1" dirty="0" smtClean="0"/>
-              <a:t>(X)-</a:t>
-            </a:r>
-            <a:r>
-              <a:rPr lang="ru-RU" sz="4800" b="1" dirty="0" smtClean="0"/>
-              <a:t>верно</a:t>
-            </a:r>
-            <a:endParaRPr lang="ru-RU" sz="4800" b="1" dirty="0"/>
-          </a:p>
-        </p:txBody>
-      </p:sp>
-      <p:sp>
-        <p:nvSpPr>
-          <p:cNvPr id="3" name="Объект 2">
-            <a:extLst>
-              <a:ext uri="{FF2B5EF4-FFF2-40B4-BE49-F238E27FC236}">
-                <a16:creationId xmlns:a16="http://schemas.microsoft.com/office/drawing/2014/main" id="{BE421393-E6D9-4C04-F323-217F01E33B93}"/>
-              </a:ext>
-            </a:extLst>
-          </p:cNvPr>
-          <p:cNvSpPr>
-            <a:spLocks noGrp="1"/>
-          </p:cNvSpPr>
-          <p:nvPr>
-            <p:ph idx="1"/>
-          </p:nvPr>
-        </p:nvSpPr>
-        <p:spPr>
-          <a:xfrm>
-            <a:off x="398928" y="1075308"/>
-            <a:ext cx="11282083" cy="5666151"/>
-          </a:xfrm>
-        </p:spPr>
-        <p:txBody>
-          <a:bodyPr>
-            <a:normAutofit/>
-          </a:bodyPr>
-          <a:lstStyle/>
-          <a:p>
-            <a:r>
-              <a:rPr lang="ru-RU" sz="2300" b="1" dirty="0" smtClean="0">
-                <a:ea typeface="Calibri" panose="020F0502020204030204" pitchFamily="34" charset="0"/>
-                <a:cs typeface="Times New Roman" panose="02020603050405020304" pitchFamily="18" charset="0"/>
-              </a:rPr>
-              <a:t>Выберите примеры остаточной части с значимой, необъясненной моделью информацией</a:t>
-            </a:r>
-          </a:p>
-          <a:p>
-            <a:pPr marL="971550" lvl="1" indent="-514350">
-              <a:buFont typeface="+mj-lt"/>
-              <a:buAutoNum type="arabicPeriod"/>
-            </a:pPr>
-            <a:r>
-              <a:rPr lang="ru-RU" dirty="0" smtClean="0">
-                <a:cs typeface="Times New Roman" panose="02020603050405020304" pitchFamily="18" charset="0"/>
-              </a:rPr>
-              <a:t>АКФ имеет ряд всплесков с заданным периодом (х)</a:t>
-            </a:r>
-          </a:p>
-          <a:p>
-            <a:pPr marL="971550" lvl="1" indent="-514350">
-              <a:buFont typeface="+mj-lt"/>
-              <a:buAutoNum type="arabicPeriod"/>
-            </a:pPr>
-            <a:r>
-              <a:rPr lang="ru-RU" dirty="0" smtClean="0">
-                <a:cs typeface="Times New Roman" panose="02020603050405020304" pitchFamily="18" charset="0"/>
-              </a:rPr>
-              <a:t>Остаточная часть нестационарная (х)</a:t>
-            </a:r>
-          </a:p>
-          <a:p>
-            <a:pPr marL="971550" lvl="1" indent="-514350">
-              <a:buFont typeface="+mj-lt"/>
-              <a:buAutoNum type="arabicPeriod"/>
-            </a:pPr>
-            <a:r>
-              <a:rPr lang="en-US" dirty="0" smtClean="0">
-                <a:cs typeface="Times New Roman" panose="02020603050405020304" pitchFamily="18" charset="0"/>
-              </a:rPr>
-              <a:t>Q-Q </a:t>
-            </a:r>
-            <a:r>
-              <a:rPr lang="ru-RU" dirty="0" smtClean="0">
-                <a:cs typeface="Times New Roman" panose="02020603050405020304" pitchFamily="18" charset="0"/>
-              </a:rPr>
-              <a:t>график близок к прямой</a:t>
-            </a:r>
-          </a:p>
-          <a:p>
-            <a:pPr marL="971550" lvl="1" indent="-514350">
-              <a:buFont typeface="+mj-lt"/>
-              <a:buAutoNum type="arabicPeriod"/>
-            </a:pPr>
-            <a:r>
-              <a:rPr lang="ru-RU" dirty="0" smtClean="0">
-                <a:cs typeface="Times New Roman" panose="02020603050405020304" pitchFamily="18" charset="0"/>
-              </a:rPr>
-              <a:t>Визуально распределение близко к нормальному</a:t>
-            </a:r>
-          </a:p>
-          <a:p>
-            <a:pPr marL="971550" lvl="1" indent="-514350">
-              <a:buFont typeface="+mj-lt"/>
-              <a:buAutoNum type="arabicPeriod"/>
-            </a:pPr>
-            <a:r>
-              <a:rPr lang="ru-RU" dirty="0">
-                <a:cs typeface="Times New Roman" panose="02020603050405020304" pitchFamily="18" charset="0"/>
-              </a:rPr>
-              <a:t>АКФ имеет </a:t>
-            </a:r>
-            <a:r>
-              <a:rPr lang="ru-RU" dirty="0" smtClean="0">
-                <a:cs typeface="Times New Roman" panose="02020603050405020304" pitchFamily="18" charset="0"/>
-              </a:rPr>
-              <a:t>нулевое  отличное от нуля</a:t>
-            </a:r>
-          </a:p>
-          <a:p>
-            <a:r>
-              <a:rPr lang="ru-RU" sz="2300" b="1" dirty="0" smtClean="0">
-                <a:ea typeface="Calibri" panose="020F0502020204030204" pitchFamily="34" charset="0"/>
-                <a:cs typeface="Times New Roman" panose="02020603050405020304" pitchFamily="18" charset="0"/>
-              </a:rPr>
-              <a:t>Выберите примеры правильной остаточной части ВР</a:t>
-            </a:r>
-          </a:p>
-          <a:p>
-            <a:pPr marL="914400" lvl="1" indent="-457200">
-              <a:buFont typeface="+mj-lt"/>
-              <a:buAutoNum type="arabicPeriod"/>
-            </a:pPr>
-            <a:endParaRPr lang="ru-RU" sz="2000" dirty="0" smtClean="0">
-              <a:cs typeface="Times New Roman" panose="02020603050405020304" pitchFamily="18" charset="0"/>
-            </a:endParaRPr>
-          </a:p>
-          <a:p>
-            <a:pPr marL="914400" lvl="1" indent="-457200">
-              <a:buFont typeface="+mj-lt"/>
-              <a:buAutoNum type="arabicPeriod"/>
-            </a:pPr>
-            <a:endParaRPr lang="ru-RU" sz="2000" dirty="0">
-              <a:cs typeface="Times New Roman" panose="02020603050405020304" pitchFamily="18" charset="0"/>
-            </a:endParaRPr>
-          </a:p>
-          <a:p>
-            <a:pPr marL="914400" lvl="1" indent="-457200">
-              <a:buFont typeface="+mj-lt"/>
-              <a:buAutoNum type="arabicPeriod"/>
-            </a:pPr>
-            <a:endParaRPr lang="ru-RU" sz="1900" dirty="0" smtClean="0">
-              <a:ea typeface="Calibri" panose="020F0502020204030204" pitchFamily="34" charset="0"/>
-              <a:cs typeface="Times New Roman" panose="02020603050405020304" pitchFamily="18" charset="0"/>
-            </a:endParaRPr>
-          </a:p>
-          <a:p>
-            <a:pPr marL="914400" lvl="1" indent="-457200">
-              <a:buFont typeface="+mj-lt"/>
-              <a:buAutoNum type="arabicPeriod"/>
-            </a:pPr>
-            <a:endParaRPr lang="ru-RU" sz="1900" dirty="0" smtClean="0">
-              <a:ea typeface="Calibri" panose="020F0502020204030204" pitchFamily="34" charset="0"/>
-              <a:cs typeface="Times New Roman" panose="02020603050405020304" pitchFamily="18" charset="0"/>
-            </a:endParaRPr>
-          </a:p>
-          <a:p>
-            <a:pPr marL="914400" lvl="1" indent="-457200">
-              <a:buFont typeface="+mj-lt"/>
-              <a:buAutoNum type="arabicPeriod"/>
-            </a:pPr>
-            <a:endParaRPr lang="ru-RU" sz="1900" b="1" dirty="0">
-              <a:ea typeface="Calibri" panose="020F0502020204030204" pitchFamily="34" charset="0"/>
-              <a:cs typeface="Times New Roman" panose="02020603050405020304" pitchFamily="18" charset="0"/>
-            </a:endParaRPr>
-          </a:p>
-        </p:txBody>
-      </p:sp>
-      <p:pic>
-        <p:nvPicPr>
-          <p:cNvPr id="4" name="Picture 4" descr="ARIMA Model - Complete Guide to Time Series Forecasting in Python | ML+">
-            <a:extLst>
-              <a:ext uri="{FF2B5EF4-FFF2-40B4-BE49-F238E27FC236}">
-                <a16:creationId xmlns:a16="http://schemas.microsoft.com/office/drawing/2014/main" id="{EEC8461E-3A7D-99B3-0F68-4406186B66B7}"/>
-              </a:ext>
-            </a:extLst>
-          </p:cNvPr>
-          <p:cNvPicPr>
-            <a:picLocks noChangeAspect="1" noChangeArrowheads="1"/>
-          </p:cNvPicPr>
-          <p:nvPr/>
-        </p:nvPicPr>
-        <p:blipFill>
-          <a:blip r:embed="rId2">
-            <a:extLst>
-              <a:ext uri="{28A0092B-C50C-407E-A947-70E740481C1C}">
-                <a14:useLocalDpi xmlns:a14="http://schemas.microsoft.com/office/drawing/2010/main" val="0"/>
-              </a:ext>
-            </a:extLst>
-          </a:blip>
-          <a:srcRect/>
-          <a:stretch>
-            <a:fillRect/>
-          </a:stretch>
-        </p:blipFill>
-        <p:spPr bwMode="auto">
-          <a:xfrm>
-            <a:off x="116985" y="4285130"/>
-            <a:ext cx="2819994" cy="2071128"/>
-          </a:xfrm>
-          <a:prstGeom prst="rect">
-            <a:avLst/>
-          </a:prstGeom>
-          <a:noFill/>
-          <a:extLst>
-            <a:ext uri="{909E8E84-426E-40DD-AFC4-6F175D3DCCD1}">
-              <a14:hiddenFill xmlns:a14="http://schemas.microsoft.com/office/drawing/2010/main">
-                <a:solidFill>
-                  <a:srgbClr val="FFFFFF"/>
-                </a:solidFill>
-              </a14:hiddenFill>
-            </a:ext>
-          </a:extLst>
-        </p:spPr>
-      </p:pic>
-      <p:pic>
-        <p:nvPicPr>
-          <p:cNvPr id="5" name="Picture 2" descr="Time Series Forecasting with ARIMA Models In Python [Part 2] – Towards AI">
-            <a:extLst>
-              <a:ext uri="{FF2B5EF4-FFF2-40B4-BE49-F238E27FC236}">
-                <a16:creationId xmlns:a16="http://schemas.microsoft.com/office/drawing/2014/main" id="{8BEAE50D-E30D-7FCF-88F6-FA508A68DC07}"/>
-              </a:ext>
-            </a:extLst>
-          </p:cNvPr>
-          <p:cNvPicPr>
-            <a:picLocks noChangeAspect="1" noChangeArrowheads="1"/>
-          </p:cNvPicPr>
-          <p:nvPr/>
-        </p:nvPicPr>
-        <p:blipFill>
-          <a:blip r:embed="rId3">
-            <a:extLst>
-              <a:ext uri="{28A0092B-C50C-407E-A947-70E740481C1C}">
-                <a14:useLocalDpi xmlns:a14="http://schemas.microsoft.com/office/drawing/2010/main" val="0"/>
-              </a:ext>
-            </a:extLst>
-          </a:blip>
-          <a:srcRect/>
-          <a:stretch>
-            <a:fillRect/>
-          </a:stretch>
-        </p:blipFill>
-        <p:spPr bwMode="auto">
-          <a:xfrm>
-            <a:off x="5727169" y="4204593"/>
-            <a:ext cx="2141972" cy="1974259"/>
-          </a:xfrm>
-          <a:prstGeom prst="rect">
-            <a:avLst/>
-          </a:prstGeom>
-          <a:noFill/>
-          <a:extLst>
-            <a:ext uri="{909E8E84-426E-40DD-AFC4-6F175D3DCCD1}">
-              <a14:hiddenFill xmlns:a14="http://schemas.microsoft.com/office/drawing/2010/main">
-                <a:solidFill>
-                  <a:srgbClr val="FFFFFF"/>
-                </a:solidFill>
-              </a14:hiddenFill>
-            </a:ext>
-          </a:extLst>
-        </p:spPr>
-      </p:pic>
-      <p:pic>
-        <p:nvPicPr>
-          <p:cNvPr id="6" name="Picture 8" descr="Python Auto ARIMA model not working correctly - Stack Overflow">
-            <a:extLst>
-              <a:ext uri="{FF2B5EF4-FFF2-40B4-BE49-F238E27FC236}">
-                <a16:creationId xmlns:a16="http://schemas.microsoft.com/office/drawing/2014/main" id="{D9AC97C7-0BB1-2B70-EAA8-73572DBB9A70}"/>
-              </a:ext>
-            </a:extLst>
-          </p:cNvPr>
-          <p:cNvPicPr>
-            <a:picLocks noChangeAspect="1" noChangeArrowheads="1"/>
-          </p:cNvPicPr>
-          <p:nvPr/>
-        </p:nvPicPr>
-        <p:blipFill rotWithShape="1">
-          <a:blip r:embed="rId4">
-            <a:extLst>
-              <a:ext uri="{28A0092B-C50C-407E-A947-70E740481C1C}">
-                <a14:useLocalDpi xmlns:a14="http://schemas.microsoft.com/office/drawing/2010/main" val="0"/>
-              </a:ext>
-            </a:extLst>
-          </a:blip>
-          <a:srcRect l="5541" t="7466" r="6189" b="5545"/>
-          <a:stretch/>
-        </p:blipFill>
-        <p:spPr bwMode="auto">
-          <a:xfrm>
-            <a:off x="8020913" y="4285129"/>
-            <a:ext cx="2342287" cy="1609677"/>
-          </a:xfrm>
-          <a:prstGeom prst="rect">
-            <a:avLst/>
-          </a:prstGeom>
-          <a:noFill/>
-          <a:extLst>
-            <a:ext uri="{909E8E84-426E-40DD-AFC4-6F175D3DCCD1}">
-              <a14:hiddenFill xmlns:a14="http://schemas.microsoft.com/office/drawing/2010/main">
-                <a:solidFill>
-                  <a:srgbClr val="FFFFFF"/>
-                </a:solidFill>
-              </a14:hiddenFill>
-            </a:ext>
-          </a:extLst>
-        </p:spPr>
-      </p:pic>
-      <p:pic>
-        <p:nvPicPr>
-          <p:cNvPr id="7" name="Picture 6" descr="A Guide to Time Series Forecasting with ARIMA in Python 3 | DigitalOcean">
-            <a:extLst>
-              <a:ext uri="{FF2B5EF4-FFF2-40B4-BE49-F238E27FC236}">
-                <a16:creationId xmlns:a16="http://schemas.microsoft.com/office/drawing/2014/main" id="{5798EABF-518D-8A7B-E94E-5071C7FCDFCA}"/>
-              </a:ext>
-            </a:extLst>
-          </p:cNvPr>
-          <p:cNvPicPr>
-            <a:picLocks noChangeAspect="1" noChangeArrowheads="1"/>
-          </p:cNvPicPr>
-          <p:nvPr/>
-        </p:nvPicPr>
-        <p:blipFill>
-          <a:blip r:embed="rId5" cstate="hqprint">
-            <a:extLst>
-              <a:ext uri="{28A0092B-C50C-407E-A947-70E740481C1C}">
-                <a14:useLocalDpi xmlns:a14="http://schemas.microsoft.com/office/drawing/2010/main" val="0"/>
-              </a:ext>
-            </a:extLst>
-          </a:blip>
-          <a:srcRect/>
-          <a:stretch>
-            <a:fillRect/>
-          </a:stretch>
-        </p:blipFill>
-        <p:spPr bwMode="auto">
-          <a:xfrm>
-            <a:off x="3012865" y="4285130"/>
-            <a:ext cx="2536709" cy="1963552"/>
-          </a:xfrm>
-          <a:prstGeom prst="rect">
-            <a:avLst/>
-          </a:prstGeom>
-          <a:noFill/>
-          <a:extLst>
-            <a:ext uri="{909E8E84-426E-40DD-AFC4-6F175D3DCCD1}">
-              <a14:hiddenFill xmlns:a14="http://schemas.microsoft.com/office/drawing/2010/main">
-                <a:solidFill>
-                  <a:srgbClr val="FFFFFF"/>
-                </a:solidFill>
-              </a14:hiddenFill>
-            </a:ext>
-          </a:extLst>
-        </p:spPr>
-      </p:pic>
-      <p:sp>
-        <p:nvSpPr>
-          <p:cNvPr id="9" name="TextBox 8"/>
-          <p:cNvSpPr txBox="1"/>
-          <p:nvPr/>
-        </p:nvSpPr>
-        <p:spPr>
-          <a:xfrm>
-            <a:off x="1308847" y="6006353"/>
-            <a:ext cx="542136" cy="369332"/>
-          </a:xfrm>
-          <a:prstGeom prst="rect">
-            <a:avLst/>
-          </a:prstGeom>
-          <a:noFill/>
-        </p:spPr>
-        <p:txBody>
-          <a:bodyPr wrap="none" rtlCol="0">
-            <a:spAutoFit/>
-          </a:bodyPr>
-          <a:lstStyle/>
-          <a:p>
-            <a:r>
-              <a:rPr lang="ru-RU" dirty="0" smtClean="0"/>
-              <a:t>1(х)</a:t>
-            </a:r>
-            <a:endParaRPr lang="ru-RU" dirty="0"/>
-          </a:p>
-        </p:txBody>
-      </p:sp>
-      <p:sp>
-        <p:nvSpPr>
-          <p:cNvPr id="10" name="TextBox 9"/>
-          <p:cNvSpPr txBox="1"/>
-          <p:nvPr/>
-        </p:nvSpPr>
-        <p:spPr>
-          <a:xfrm>
-            <a:off x="4772994" y="5931358"/>
-            <a:ext cx="542136" cy="369332"/>
-          </a:xfrm>
-          <a:prstGeom prst="rect">
-            <a:avLst/>
-          </a:prstGeom>
-          <a:noFill/>
-        </p:spPr>
-        <p:txBody>
-          <a:bodyPr wrap="none" rtlCol="0">
-            <a:spAutoFit/>
-          </a:bodyPr>
-          <a:lstStyle/>
-          <a:p>
-            <a:r>
-              <a:rPr lang="ru-RU" dirty="0" smtClean="0"/>
-              <a:t>2(х)</a:t>
-            </a:r>
-            <a:endParaRPr lang="ru-RU" dirty="0"/>
-          </a:p>
-        </p:txBody>
-      </p:sp>
-      <p:sp>
-        <p:nvSpPr>
-          <p:cNvPr id="11" name="TextBox 10"/>
-          <p:cNvSpPr txBox="1"/>
-          <p:nvPr/>
-        </p:nvSpPr>
-        <p:spPr>
-          <a:xfrm>
-            <a:off x="7075259" y="5931358"/>
-            <a:ext cx="301686" cy="369332"/>
-          </a:xfrm>
-          <a:prstGeom prst="rect">
-            <a:avLst/>
-          </a:prstGeom>
-          <a:noFill/>
-        </p:spPr>
-        <p:txBody>
-          <a:bodyPr wrap="none" rtlCol="0">
-            <a:spAutoFit/>
-          </a:bodyPr>
-          <a:lstStyle/>
-          <a:p>
-            <a:r>
-              <a:rPr lang="ru-RU" dirty="0" smtClean="0"/>
-              <a:t>3</a:t>
-            </a:r>
-            <a:endParaRPr lang="ru-RU" dirty="0"/>
-          </a:p>
-        </p:txBody>
-      </p:sp>
-      <p:sp>
-        <p:nvSpPr>
-          <p:cNvPr id="12" name="TextBox 11"/>
-          <p:cNvSpPr txBox="1"/>
-          <p:nvPr/>
-        </p:nvSpPr>
-        <p:spPr>
-          <a:xfrm>
-            <a:off x="8986231" y="5764329"/>
-            <a:ext cx="301686" cy="369332"/>
-          </a:xfrm>
-          <a:prstGeom prst="rect">
-            <a:avLst/>
-          </a:prstGeom>
-          <a:noFill/>
-        </p:spPr>
-        <p:txBody>
-          <a:bodyPr wrap="none" rtlCol="0">
-            <a:spAutoFit/>
-          </a:bodyPr>
-          <a:lstStyle/>
-          <a:p>
-            <a:r>
-              <a:rPr lang="ru-RU" dirty="0" smtClean="0"/>
-              <a:t>4</a:t>
-            </a:r>
-            <a:endParaRPr lang="ru-RU" dirty="0"/>
-          </a:p>
-        </p:txBody>
-      </p:sp>
-      <p:sp>
-        <p:nvSpPr>
-          <p:cNvPr id="13" name="TextBox 12"/>
-          <p:cNvSpPr txBox="1"/>
-          <p:nvPr/>
-        </p:nvSpPr>
-        <p:spPr>
-          <a:xfrm>
-            <a:off x="10590739" y="5764329"/>
-            <a:ext cx="301686" cy="369332"/>
-          </a:xfrm>
-          <a:prstGeom prst="rect">
-            <a:avLst/>
-          </a:prstGeom>
-          <a:noFill/>
-        </p:spPr>
-        <p:txBody>
-          <a:bodyPr wrap="none" rtlCol="0">
-            <a:spAutoFit/>
-          </a:bodyPr>
-          <a:lstStyle/>
-          <a:p>
-            <a:r>
-              <a:rPr lang="ru-RU" dirty="0" smtClean="0"/>
-              <a:t>5</a:t>
-            </a:r>
-            <a:endParaRPr lang="ru-RU" dirty="0"/>
-          </a:p>
-        </p:txBody>
-      </p:sp>
-    </p:spTree>
-    <p:extLst>
-      <p:ext uri="{BB962C8B-B14F-4D97-AF65-F5344CB8AC3E}">
-        <p14:creationId xmlns:p14="http://schemas.microsoft.com/office/powerpoint/2010/main" val="3077258543"/>
       </p:ext>
     </p:extLst>
   </p:cSld>
